--- a/javascript - HIGH1-CE 9108.pptx
+++ b/javascript - HIGH1-CE 9108.pptx
@@ -170,7 +170,7 @@
 <file path=ppt/revisionInfo.xml><?xml version="1.0" encoding="utf-8"?>
 <p1510:revInfo xmlns:a="http://schemas.openxmlformats.org/drawingml/2006/main" xmlns:r="http://schemas.openxmlformats.org/officeDocument/2006/relationships" xmlns:p1510="http://schemas.microsoft.com/office/powerpoint/2015/10/main">
   <p1510:revLst>
-    <p1510:client id="{15A4F448-16EE-4A74-B6BB-943DCB861221}" v="21" dt="2021-10-21T17:21:41.504"/>
+    <p1510:client id="{15A4F448-16EE-4A74-B6BB-943DCB861221}" v="23" dt="2021-10-23T17:24:39.833"/>
   </p1510:revLst>
 </p1510:revInfo>
 </file>
@@ -227,10 +227,25 @@
   <pc:docChgLst>
     <pc:chgData name="Mohammed Rahman" userId="3e6a976e-1df1-43c6-bcc1-c9586ce4d83c" providerId="ADAL" clId="{15A4F448-16EE-4A74-B6BB-943DCB861221}"/>
     <pc:docChg chg="undo addSld delSld modSld sldOrd">
-      <pc:chgData name="Mohammed Rahman" userId="3e6a976e-1df1-43c6-bcc1-c9586ce4d83c" providerId="ADAL" clId="{15A4F448-16EE-4A74-B6BB-943DCB861221}" dt="2021-10-21T17:22:54.265" v="62" actId="2696"/>
+      <pc:chgData name="Mohammed Rahman" userId="3e6a976e-1df1-43c6-bcc1-c9586ce4d83c" providerId="ADAL" clId="{15A4F448-16EE-4A74-B6BB-943DCB861221}" dt="2021-10-23T17:24:42.384" v="64" actId="20577"/>
       <pc:docMkLst>
         <pc:docMk/>
       </pc:docMkLst>
+      <pc:sldChg chg="modSp">
+        <pc:chgData name="Mohammed Rahman" userId="3e6a976e-1df1-43c6-bcc1-c9586ce4d83c" providerId="ADAL" clId="{15A4F448-16EE-4A74-B6BB-943DCB861221}" dt="2021-10-23T17:24:42.384" v="64" actId="20577"/>
+        <pc:sldMkLst>
+          <pc:docMk/>
+          <pc:sldMk cId="0" sldId="256"/>
+        </pc:sldMkLst>
+        <pc:spChg chg="mod">
+          <ac:chgData name="Mohammed Rahman" userId="3e6a976e-1df1-43c6-bcc1-c9586ce4d83c" providerId="ADAL" clId="{15A4F448-16EE-4A74-B6BB-943DCB861221}" dt="2021-10-23T17:24:42.384" v="64" actId="20577"/>
+          <ac:spMkLst>
+            <pc:docMk/>
+            <pc:sldMk cId="0" sldId="256"/>
+            <ac:spMk id="4099" creationId="{B5CF9345-A0C5-4E11-980E-1DF1F06B44A1}"/>
+          </ac:spMkLst>
+        </pc:spChg>
+      </pc:sldChg>
       <pc:sldChg chg="modSp">
         <pc:chgData name="Mohammed Rahman" userId="3e6a976e-1df1-43c6-bcc1-c9586ce4d83c" providerId="ADAL" clId="{15A4F448-16EE-4A74-B6BB-943DCB861221}" dt="2021-10-21T17:21:28.887" v="59" actId="14100"/>
         <pc:sldMkLst>
@@ -6973,7 +6988,7 @@
               <a:pPr>
                 <a:defRPr/>
               </a:pPr>
-              <a:t>10/21/2021</a:t>
+              <a:t>10/23/2021</a:t>
             </a:fld>
             <a:endParaRPr lang="en-US" altLang="en-US"/>
           </a:p>
@@ -7441,7 +7456,7 @@
               <a:pPr>
                 <a:defRPr/>
               </a:pPr>
-              <a:t>10/21/2021</a:t>
+              <a:t>10/23/2021</a:t>
             </a:fld>
             <a:endParaRPr lang="en-US" altLang="en-US"/>
           </a:p>
@@ -7673,7 +7688,7 @@
               <a:pPr>
                 <a:defRPr/>
               </a:pPr>
-              <a:t>10/21/2021</a:t>
+              <a:t>10/23/2021</a:t>
             </a:fld>
             <a:endParaRPr lang="en-US" altLang="en-US"/>
           </a:p>
@@ -7895,7 +7910,7 @@
               <a:pPr>
                 <a:defRPr/>
               </a:pPr>
-              <a:t>10/21/2021</a:t>
+              <a:t>10/23/2021</a:t>
             </a:fld>
             <a:endParaRPr lang="en-US" altLang="en-US"/>
           </a:p>
@@ -8140,7 +8155,7 @@
               <a:pPr>
                 <a:defRPr/>
               </a:pPr>
-              <a:t>10/21/2021</a:t>
+              <a:t>10/23/2021</a:t>
             </a:fld>
             <a:endParaRPr lang="en-US" altLang="en-US"/>
           </a:p>
@@ -8423,7 +8438,7 @@
               <a:pPr>
                 <a:defRPr/>
               </a:pPr>
-              <a:t>10/21/2021</a:t>
+              <a:t>10/23/2021</a:t>
             </a:fld>
             <a:endParaRPr lang="en-US" altLang="en-US"/>
           </a:p>
@@ -8841,7 +8856,7 @@
               <a:pPr>
                 <a:defRPr/>
               </a:pPr>
-              <a:t>10/21/2021</a:t>
+              <a:t>10/23/2021</a:t>
             </a:fld>
             <a:endParaRPr lang="en-US" altLang="en-US"/>
           </a:p>
@@ -9012,7 +9027,7 @@
               <a:pPr>
                 <a:defRPr/>
               </a:pPr>
-              <a:t>10/21/2021</a:t>
+              <a:t>10/23/2021</a:t>
             </a:fld>
             <a:endParaRPr lang="en-US" altLang="en-US"/>
           </a:p>
@@ -9161,7 +9176,7 @@
               <a:pPr>
                 <a:defRPr/>
               </a:pPr>
-              <a:t>10/21/2021</a:t>
+              <a:t>10/23/2021</a:t>
             </a:fld>
             <a:endParaRPr lang="en-US" altLang="en-US"/>
           </a:p>
@@ -9490,7 +9505,7 @@
               <a:pPr>
                 <a:defRPr/>
               </a:pPr>
-              <a:t>10/21/2021</a:t>
+              <a:t>10/23/2021</a:t>
             </a:fld>
             <a:endParaRPr lang="en-US" altLang="en-US"/>
           </a:p>
@@ -9797,7 +9812,7 @@
               <a:pPr>
                 <a:defRPr/>
               </a:pPr>
-              <a:t>10/21/2021</a:t>
+              <a:t>10/23/2021</a:t>
             </a:fld>
             <a:endParaRPr lang="en-US" altLang="en-US"/>
           </a:p>
@@ -10151,7 +10166,7 @@
               <a:pPr>
                 <a:defRPr/>
               </a:pPr>
-              <a:t>10/21/2021</a:t>
+              <a:t>10/23/2021</a:t>
             </a:fld>
             <a:endParaRPr lang="en-US" altLang="en-US"/>
           </a:p>
@@ -14475,7 +14490,7 @@
                 <a:latin typeface="Arial Narrow" panose="020B0606020202030204" pitchFamily="34" charset="0"/>
               </a:rPr>
               <a:pPr/>
-              <a:t>10/21/2021</a:t>
+              <a:t>10/23/2021</a:t>
             </a:fld>
             <a:endParaRPr lang="en-US" altLang="en-US" sz="1400">
               <a:solidFill>
@@ -14988,7 +15003,7 @@
                 <a:latin typeface="Arial Narrow" panose="020B0606020202030204" pitchFamily="34" charset="0"/>
               </a:rPr>
               <a:pPr/>
-              <a:t>10/21/2021</a:t>
+              <a:t>10/23/2021</a:t>
             </a:fld>
             <a:endParaRPr lang="en-US" altLang="en-US" sz="1400">
               <a:solidFill>
@@ -15199,55 +15214,7 @@
               <a:rPr lang="en-US" dirty="0">
                 <a:effectLst/>
               </a:rPr>
-              <a:t>Feb 27</a:t>
-            </a:r>
-            <a:r>
-              <a:rPr lang="en-US" baseline="30000" dirty="0">
-                <a:effectLst/>
-              </a:rPr>
-              <a:t>th</a:t>
-            </a:r>
-            <a:r>
-              <a:rPr lang="en-US" dirty="0">
-                <a:effectLst/>
-              </a:rPr>
-              <a:t>, Mar 6</a:t>
-            </a:r>
-            <a:r>
-              <a:rPr lang="en-US" baseline="30000" dirty="0">
-                <a:effectLst/>
-              </a:rPr>
-              <a:t>th</a:t>
-            </a:r>
-            <a:r>
-              <a:rPr lang="en-US" dirty="0">
-                <a:effectLst/>
-              </a:rPr>
-              <a:t>, Mar 13</a:t>
-            </a:r>
-            <a:r>
-              <a:rPr lang="en-US" baseline="30000" dirty="0">
-                <a:effectLst/>
-              </a:rPr>
-              <a:t>th</a:t>
-            </a:r>
-            <a:r>
-              <a:rPr lang="en-US" dirty="0">
-                <a:effectLst/>
-              </a:rPr>
-              <a:t> , Mar 20</a:t>
-            </a:r>
-            <a:r>
-              <a:rPr lang="en-US" baseline="30000" dirty="0">
-                <a:effectLst/>
-              </a:rPr>
-              <a:t>th</a:t>
-            </a:r>
-            <a:r>
-              <a:rPr lang="en-US" dirty="0">
-                <a:effectLst/>
-              </a:rPr>
-              <a:t>, 2021</a:t>
+              <a:t>Oct 23, Oct 30, Nov 13, Nov 20</a:t>
             </a:r>
           </a:p>
           <a:p>
@@ -15256,12 +15223,32 @@
               <a:defRPr/>
             </a:pPr>
             <a:r>
+              <a:rPr lang="en-US">
+                <a:effectLst/>
+              </a:rPr>
+              <a:t>No class on Nov 6</a:t>
+            </a:r>
+          </a:p>
+          <a:p>
+            <a:pPr algn="ctr">
+              <a:buNone/>
+              <a:defRPr/>
+            </a:pPr>
+            <a:r>
+              <a:rPr lang="en-US" altLang="en-US">
+                <a:solidFill>
+                  <a:srgbClr val="FFFF00"/>
+                </a:solidFill>
+              </a:rPr>
+              <a:t>Mohammed </a:t>
+            </a:r>
+            <a:r>
               <a:rPr lang="en-US" altLang="en-US" dirty="0">
                 <a:solidFill>
                   <a:srgbClr val="FFFF00"/>
                 </a:solidFill>
               </a:rPr>
-              <a:t>Mohammed Ashequr Rahman</a:t>
+              <a:t>Ashequr Rahman</a:t>
             </a:r>
             <a:endParaRPr lang="en-US" altLang="en-US" dirty="0">
               <a:solidFill>
@@ -15653,7 +15640,7 @@
                 <a:latin typeface="Arial Narrow" panose="020B0606020202030204" pitchFamily="34" charset="0"/>
               </a:rPr>
               <a:pPr/>
-              <a:t>10/21/2021</a:t>
+              <a:t>10/23/2021</a:t>
             </a:fld>
             <a:endParaRPr lang="en-US" altLang="en-US" sz="1400">
               <a:solidFill>
@@ -16384,7 +16371,7 @@
                 <a:latin typeface="Arial Narrow" panose="020B0606020202030204" pitchFamily="34" charset="0"/>
               </a:rPr>
               <a:pPr/>
-              <a:t>10/21/2021</a:t>
+              <a:t>10/23/2021</a:t>
             </a:fld>
             <a:endParaRPr lang="en-US" altLang="en-US" sz="1400">
               <a:solidFill>
@@ -17000,7 +16987,7 @@
                 <a:latin typeface="Arial Narrow" panose="020B0606020202030204" pitchFamily="34" charset="0"/>
               </a:rPr>
               <a:pPr/>
-              <a:t>10/21/2021</a:t>
+              <a:t>10/23/2021</a:t>
             </a:fld>
             <a:endParaRPr lang="en-US" altLang="en-US" sz="1400">
               <a:solidFill>
@@ -17559,7 +17546,7 @@
                 <a:latin typeface="Arial Narrow" panose="020B0606020202030204" pitchFamily="34" charset="0"/>
               </a:rPr>
               <a:pPr/>
-              <a:t>10/21/2021</a:t>
+              <a:t>10/23/2021</a:t>
             </a:fld>
             <a:endParaRPr lang="en-US" altLang="en-US" sz="1400">
               <a:solidFill>
@@ -18129,7 +18116,7 @@
                 <a:latin typeface="Arial Narrow" panose="020B0606020202030204" pitchFamily="34" charset="0"/>
               </a:rPr>
               <a:pPr/>
-              <a:t>10/21/2021</a:t>
+              <a:t>10/23/2021</a:t>
             </a:fld>
             <a:endParaRPr lang="en-US" altLang="en-US" sz="1400">
               <a:solidFill>
@@ -18689,7 +18676,7 @@
                 <a:latin typeface="Arial Narrow" panose="020B0606020202030204" pitchFamily="34" charset="0"/>
               </a:rPr>
               <a:pPr/>
-              <a:t>10/21/2021</a:t>
+              <a:t>10/23/2021</a:t>
             </a:fld>
             <a:endParaRPr lang="en-US" altLang="en-US" sz="1400">
               <a:solidFill>
@@ -19279,7 +19266,7 @@
                 <a:latin typeface="Arial Narrow" panose="020B0606020202030204" pitchFamily="34" charset="0"/>
               </a:rPr>
               <a:pPr/>
-              <a:t>10/21/2021</a:t>
+              <a:t>10/23/2021</a:t>
             </a:fld>
             <a:endParaRPr lang="en-US" altLang="en-US" sz="1400">
               <a:solidFill>
